--- a/PPTX/DivergencesComparativeConvexity-FrankNIELSEN.pptx
+++ b/PPTX/DivergencesComparativeConvexity-FrankNIELSEN.pptx
@@ -286,7 +286,7 @@
           <a:p>
             <a:fld id="{150F21A3-4084-43D9-A477-B60B44EB51F8}" type="datetimeFigureOut">
               <a:rPr kumimoji="1" lang="ja-JP" altLang="en-US" smtClean="0"/>
-              <a:t>2024/1/31</a:t>
+              <a:t>2024/5/10</a:t>
             </a:fld>
             <a:endParaRPr kumimoji="1" lang="ja-JP" altLang="en-US"/>
           </a:p>
@@ -787,7 +787,7 @@
           <a:p>
             <a:fld id="{F6C9174E-3F6F-4660-82FC-EF3BA4100FD3}" type="datetimeFigureOut">
               <a:rPr kumimoji="1" lang="ja-JP" altLang="en-US" smtClean="0"/>
-              <a:t>2024/1/31</a:t>
+              <a:t>2024/5/10</a:t>
             </a:fld>
             <a:endParaRPr kumimoji="1" lang="ja-JP" altLang="en-US"/>
           </a:p>
@@ -987,7 +987,7 @@
           <a:p>
             <a:fld id="{F6C9174E-3F6F-4660-82FC-EF3BA4100FD3}" type="datetimeFigureOut">
               <a:rPr kumimoji="1" lang="ja-JP" altLang="en-US" smtClean="0"/>
-              <a:t>2024/1/31</a:t>
+              <a:t>2024/5/10</a:t>
             </a:fld>
             <a:endParaRPr kumimoji="1" lang="ja-JP" altLang="en-US"/>
           </a:p>
@@ -1197,7 +1197,7 @@
           <a:p>
             <a:fld id="{F6C9174E-3F6F-4660-82FC-EF3BA4100FD3}" type="datetimeFigureOut">
               <a:rPr kumimoji="1" lang="ja-JP" altLang="en-US" smtClean="0"/>
-              <a:t>2024/1/31</a:t>
+              <a:t>2024/5/10</a:t>
             </a:fld>
             <a:endParaRPr kumimoji="1" lang="ja-JP" altLang="en-US"/>
           </a:p>
@@ -1397,7 +1397,7 @@
           <a:p>
             <a:fld id="{F6C9174E-3F6F-4660-82FC-EF3BA4100FD3}" type="datetimeFigureOut">
               <a:rPr kumimoji="1" lang="ja-JP" altLang="en-US" smtClean="0"/>
-              <a:t>2024/1/31</a:t>
+              <a:t>2024/5/10</a:t>
             </a:fld>
             <a:endParaRPr kumimoji="1" lang="ja-JP" altLang="en-US"/>
           </a:p>
@@ -1673,7 +1673,7 @@
           <a:p>
             <a:fld id="{F6C9174E-3F6F-4660-82FC-EF3BA4100FD3}" type="datetimeFigureOut">
               <a:rPr kumimoji="1" lang="ja-JP" altLang="en-US" smtClean="0"/>
-              <a:t>2024/1/31</a:t>
+              <a:t>2024/5/10</a:t>
             </a:fld>
             <a:endParaRPr kumimoji="1" lang="ja-JP" altLang="en-US"/>
           </a:p>
@@ -1941,7 +1941,7 @@
           <a:p>
             <a:fld id="{F6C9174E-3F6F-4660-82FC-EF3BA4100FD3}" type="datetimeFigureOut">
               <a:rPr kumimoji="1" lang="ja-JP" altLang="en-US" smtClean="0"/>
-              <a:t>2024/1/31</a:t>
+              <a:t>2024/5/10</a:t>
             </a:fld>
             <a:endParaRPr kumimoji="1" lang="ja-JP" altLang="en-US"/>
           </a:p>
@@ -2356,7 +2356,7 @@
           <a:p>
             <a:fld id="{F6C9174E-3F6F-4660-82FC-EF3BA4100FD3}" type="datetimeFigureOut">
               <a:rPr kumimoji="1" lang="ja-JP" altLang="en-US" smtClean="0"/>
-              <a:t>2024/1/31</a:t>
+              <a:t>2024/5/10</a:t>
             </a:fld>
             <a:endParaRPr kumimoji="1" lang="ja-JP" altLang="en-US"/>
           </a:p>
@@ -2498,7 +2498,7 @@
           <a:p>
             <a:fld id="{F6C9174E-3F6F-4660-82FC-EF3BA4100FD3}" type="datetimeFigureOut">
               <a:rPr kumimoji="1" lang="ja-JP" altLang="en-US" smtClean="0"/>
-              <a:t>2024/1/31</a:t>
+              <a:t>2024/5/10</a:t>
             </a:fld>
             <a:endParaRPr kumimoji="1" lang="ja-JP" altLang="en-US"/>
           </a:p>
@@ -2611,7 +2611,7 @@
           <a:p>
             <a:fld id="{F6C9174E-3F6F-4660-82FC-EF3BA4100FD3}" type="datetimeFigureOut">
               <a:rPr kumimoji="1" lang="ja-JP" altLang="en-US" smtClean="0"/>
-              <a:t>2024/1/31</a:t>
+              <a:t>2024/5/10</a:t>
             </a:fld>
             <a:endParaRPr kumimoji="1" lang="ja-JP" altLang="en-US"/>
           </a:p>
@@ -2924,7 +2924,7 @@
           <a:p>
             <a:fld id="{F6C9174E-3F6F-4660-82FC-EF3BA4100FD3}" type="datetimeFigureOut">
               <a:rPr kumimoji="1" lang="ja-JP" altLang="en-US" smtClean="0"/>
-              <a:t>2024/1/31</a:t>
+              <a:t>2024/5/10</a:t>
             </a:fld>
             <a:endParaRPr kumimoji="1" lang="ja-JP" altLang="en-US"/>
           </a:p>
@@ -3213,7 +3213,7 @@
           <a:p>
             <a:fld id="{F6C9174E-3F6F-4660-82FC-EF3BA4100FD3}" type="datetimeFigureOut">
               <a:rPr kumimoji="1" lang="ja-JP" altLang="en-US" smtClean="0"/>
-              <a:t>2024/1/31</a:t>
+              <a:t>2024/5/10</a:t>
             </a:fld>
             <a:endParaRPr kumimoji="1" lang="ja-JP" altLang="en-US"/>
           </a:p>
@@ -3456,7 +3456,7 @@
           <a:p>
             <a:fld id="{F6C9174E-3F6F-4660-82FC-EF3BA4100FD3}" type="datetimeFigureOut">
               <a:rPr kumimoji="1" lang="ja-JP" altLang="en-US" smtClean="0"/>
-              <a:t>2024/1/31</a:t>
+              <a:t>2024/5/10</a:t>
             </a:fld>
             <a:endParaRPr kumimoji="1" lang="ja-JP" altLang="en-US"/>
           </a:p>
